--- a/source/2022/202209CW1/comments/SmallTalk.pptx
+++ b/source/2022/202209CW1/comments/SmallTalk.pptx
@@ -6,6 +6,10 @@
   </p:sldMasterIdLst>
   <p:sldIdLst>
     <p:sldId id="256" r:id="rId2"/>
+    <p:sldId id="258" r:id="rId3"/>
+    <p:sldId id="259" r:id="rId4"/>
+    <p:sldId id="260" r:id="rId5"/>
+    <p:sldId id="261" r:id="rId6"/>
   </p:sldIdLst>
   <p:sldSz cx="12192000" cy="6858000"/>
   <p:notesSz cx="6858000" cy="9144000"/>
@@ -104,6 +108,11 @@
       </a:defRPr>
     </a:lvl9pPr>
   </p:defaultTextStyle>
+  <p:extLst>
+    <p:ext uri="{EFAFB233-063F-42B5-8137-9DF3F51BA10A}">
+      <p15:sldGuideLst xmlns:p15="http://schemas.microsoft.com/office/powerpoint/2012/main"/>
+    </p:ext>
+  </p:extLst>
 </p:presentation>
 </file>
 
@@ -254,7 +263,7 @@
           <a:p>
             <a:fld id="{244C80CF-6B2E-430D-B7BA-EC664C6E9399}" type="datetimeFigureOut">
               <a:rPr lang="zh-CN" altLang="en-US" smtClean="0"/>
-              <a:t>2022/9/23</a:t>
+              <a:t>2022/9/30</a:t>
             </a:fld>
             <a:endParaRPr lang="zh-CN" altLang="en-US"/>
           </a:p>
@@ -452,7 +461,7 @@
           <a:p>
             <a:fld id="{244C80CF-6B2E-430D-B7BA-EC664C6E9399}" type="datetimeFigureOut">
               <a:rPr lang="zh-CN" altLang="en-US" smtClean="0"/>
-              <a:t>2022/9/23</a:t>
+              <a:t>2022/9/30</a:t>
             </a:fld>
             <a:endParaRPr lang="zh-CN" altLang="en-US"/>
           </a:p>
@@ -660,7 +669,7 @@
           <a:p>
             <a:fld id="{244C80CF-6B2E-430D-B7BA-EC664C6E9399}" type="datetimeFigureOut">
               <a:rPr lang="zh-CN" altLang="en-US" smtClean="0"/>
-              <a:t>2022/9/23</a:t>
+              <a:t>2022/9/30</a:t>
             </a:fld>
             <a:endParaRPr lang="zh-CN" altLang="en-US"/>
           </a:p>
@@ -858,7 +867,7 @@
           <a:p>
             <a:fld id="{244C80CF-6B2E-430D-B7BA-EC664C6E9399}" type="datetimeFigureOut">
               <a:rPr lang="zh-CN" altLang="en-US" smtClean="0"/>
-              <a:t>2022/9/23</a:t>
+              <a:t>2022/9/30</a:t>
             </a:fld>
             <a:endParaRPr lang="zh-CN" altLang="en-US"/>
           </a:p>
@@ -1133,7 +1142,7 @@
           <a:p>
             <a:fld id="{244C80CF-6B2E-430D-B7BA-EC664C6E9399}" type="datetimeFigureOut">
               <a:rPr lang="zh-CN" altLang="en-US" smtClean="0"/>
-              <a:t>2022/9/23</a:t>
+              <a:t>2022/9/30</a:t>
             </a:fld>
             <a:endParaRPr lang="zh-CN" altLang="en-US"/>
           </a:p>
@@ -1398,7 +1407,7 @@
           <a:p>
             <a:fld id="{244C80CF-6B2E-430D-B7BA-EC664C6E9399}" type="datetimeFigureOut">
               <a:rPr lang="zh-CN" altLang="en-US" smtClean="0"/>
-              <a:t>2022/9/23</a:t>
+              <a:t>2022/9/30</a:t>
             </a:fld>
             <a:endParaRPr lang="zh-CN" altLang="en-US"/>
           </a:p>
@@ -1810,7 +1819,7 @@
           <a:p>
             <a:fld id="{244C80CF-6B2E-430D-B7BA-EC664C6E9399}" type="datetimeFigureOut">
               <a:rPr lang="zh-CN" altLang="en-US" smtClean="0"/>
-              <a:t>2022/9/23</a:t>
+              <a:t>2022/9/30</a:t>
             </a:fld>
             <a:endParaRPr lang="zh-CN" altLang="en-US"/>
           </a:p>
@@ -1951,7 +1960,7 @@
           <a:p>
             <a:fld id="{244C80CF-6B2E-430D-B7BA-EC664C6E9399}" type="datetimeFigureOut">
               <a:rPr lang="zh-CN" altLang="en-US" smtClean="0"/>
-              <a:t>2022/9/23</a:t>
+              <a:t>2022/9/30</a:t>
             </a:fld>
             <a:endParaRPr lang="zh-CN" altLang="en-US"/>
           </a:p>
@@ -2064,7 +2073,7 @@
           <a:p>
             <a:fld id="{244C80CF-6B2E-430D-B7BA-EC664C6E9399}" type="datetimeFigureOut">
               <a:rPr lang="zh-CN" altLang="en-US" smtClean="0"/>
-              <a:t>2022/9/23</a:t>
+              <a:t>2022/9/30</a:t>
             </a:fld>
             <a:endParaRPr lang="zh-CN" altLang="en-US"/>
           </a:p>
@@ -2375,7 +2384,7 @@
           <a:p>
             <a:fld id="{244C80CF-6B2E-430D-B7BA-EC664C6E9399}" type="datetimeFigureOut">
               <a:rPr lang="zh-CN" altLang="en-US" smtClean="0"/>
-              <a:t>2022/9/23</a:t>
+              <a:t>2022/9/30</a:t>
             </a:fld>
             <a:endParaRPr lang="zh-CN" altLang="en-US"/>
           </a:p>
@@ -2663,7 +2672,7 @@
           <a:p>
             <a:fld id="{244C80CF-6B2E-430D-B7BA-EC664C6E9399}" type="datetimeFigureOut">
               <a:rPr lang="zh-CN" altLang="en-US" smtClean="0"/>
-              <a:t>2022/9/23</a:t>
+              <a:t>2022/9/30</a:t>
             </a:fld>
             <a:endParaRPr lang="zh-CN" altLang="en-US"/>
           </a:p>
@@ -2904,7 +2913,7 @@
           <a:p>
             <a:fld id="{244C80CF-6B2E-430D-B7BA-EC664C6E9399}" type="datetimeFigureOut">
               <a:rPr lang="zh-CN" altLang="en-US" smtClean="0"/>
-              <a:t>2022/9/23</a:t>
+              <a:t>2022/9/30</a:t>
             </a:fld>
             <a:endParaRPr lang="zh-CN" altLang="en-US"/>
           </a:p>
@@ -3339,16 +3348,17 @@
         </p:nvSpPr>
         <p:spPr>
           <a:xfrm>
-            <a:off x="1524000" y="3710039"/>
+            <a:off x="648929" y="1596104"/>
             <a:ext cx="9144000" cy="2387600"/>
           </a:xfrm>
         </p:spPr>
         <p:txBody>
           <a:bodyPr>
-            <a:normAutofit fontScale="90000"/>
+            <a:noAutofit/>
           </a:bodyPr>
           <a:lstStyle/>
           <a:p>
+            <a:pPr algn="l"/>
             <a:br>
               <a:rPr lang="en-US" altLang="zh-CN" sz="3100" b="1" dirty="0">
                 <a:solidFill>
@@ -3380,7 +3390,7 @@
                 </a:solidFill>
                 <a:latin typeface="ComicSansMS-Bold"/>
               </a:rPr>
-              <a:t>Small Talk in English </a:t>
+              <a:t>What is Small Talk in English ? </a:t>
             </a:r>
             <a:br>
               <a:rPr lang="en-US" altLang="zh-CN" sz="3100" b="1" dirty="0">
@@ -3396,98 +3406,6 @@
                   <a:srgbClr val="000000"/>
                 </a:solidFill>
                 <a:latin typeface="ComicSansMS-Bold"/>
-              </a:rPr>
-            </a:br>
-            <a:r>
-              <a:rPr lang="en-US" altLang="zh-CN" sz="3100" b="1" dirty="0">
-                <a:solidFill>
-                  <a:srgbClr val="000000"/>
-                </a:solidFill>
-                <a:latin typeface="ComicSansMS-Bold"/>
-              </a:rPr>
-              <a:t>Who makes small talk ?</a:t>
-            </a:r>
-            <a:br>
-              <a:rPr lang="en-US" altLang="zh-CN" sz="3100" b="1" dirty="0">
-                <a:solidFill>
-                  <a:srgbClr val="000000"/>
-                </a:solidFill>
-                <a:latin typeface="ComicSansMS-Bold"/>
-              </a:rPr>
-            </a:br>
-            <a:br>
-              <a:rPr lang="en-US" altLang="zh-CN" sz="3100" b="1" dirty="0">
-                <a:solidFill>
-                  <a:srgbClr val="000000"/>
-                </a:solidFill>
-                <a:latin typeface="ComicSansMS-Bold"/>
-              </a:rPr>
-            </a:br>
-            <a:r>
-              <a:rPr lang="en-US" altLang="zh-CN" sz="3100" b="1" dirty="0">
-                <a:solidFill>
-                  <a:srgbClr val="000000"/>
-                </a:solidFill>
-                <a:latin typeface="ComicSansMS-Bold"/>
-              </a:rPr>
-              <a:t>WHAT do people make small talk about?</a:t>
-            </a:r>
-            <a:br>
-              <a:rPr lang="en-US" altLang="zh-CN" sz="3100" b="1" dirty="0">
-                <a:solidFill>
-                  <a:srgbClr val="000000"/>
-                </a:solidFill>
-                <a:latin typeface="ComicSansMS-Bold"/>
-              </a:rPr>
-            </a:br>
-            <a:br>
-              <a:rPr lang="en-US" altLang="zh-CN" sz="3100" b="1" dirty="0">
-                <a:solidFill>
-                  <a:srgbClr val="000000"/>
-                </a:solidFill>
-                <a:latin typeface="ComicSansMS-Bold"/>
-              </a:rPr>
-            </a:br>
-            <a:r>
-              <a:rPr lang="en-US" altLang="zh-CN" sz="3100" b="1" dirty="0">
-                <a:solidFill>
-                  <a:srgbClr val="000000"/>
-                </a:solidFill>
-                <a:latin typeface="ComicSansMS-Bold"/>
-              </a:rPr>
-              <a:t>Where do people make small talk about?</a:t>
-            </a:r>
-            <a:br>
-              <a:rPr lang="en-US" altLang="zh-CN" sz="3100" b="1" dirty="0">
-                <a:solidFill>
-                  <a:srgbClr val="000000"/>
-                </a:solidFill>
-                <a:latin typeface="ComicSansMS-Bold"/>
-              </a:rPr>
-            </a:br>
-            <a:br>
-              <a:rPr lang="en-US" altLang="zh-CN" sz="3100" b="1" dirty="0">
-                <a:solidFill>
-                  <a:srgbClr val="000000"/>
-                </a:solidFill>
-                <a:latin typeface="ComicSansMS-Bold"/>
-              </a:rPr>
-            </a:br>
-            <a:r>
-              <a:rPr lang="en-US" altLang="zh-CN" sz="3100" b="1" dirty="0">
-                <a:solidFill>
-                  <a:srgbClr val="000000"/>
-                </a:solidFill>
-                <a:latin typeface="ComicSansMS-Bold"/>
-              </a:rPr>
-              <a:t>Why do people make small talk about?</a:t>
-            </a:r>
-            <a:br>
-              <a:rPr lang="en-US" altLang="zh-CN" sz="1800" dirty="0">
-                <a:solidFill>
-                  <a:srgbClr val="000000"/>
-                </a:solidFill>
-                <a:latin typeface=".HelveticaNeueDeskInterface-Regular"/>
               </a:rPr>
             </a:br>
             <a:br>
@@ -3511,6 +3429,163 @@
                 <a:latin typeface="ComicSansMS-Bold"/>
               </a:rPr>
             </a:br>
+            <a:br>
+              <a:rPr lang="en-US" altLang="zh-CN" dirty="0"/>
+            </a:br>
+            <a:endParaRPr lang="zh-CN" altLang="en-US" dirty="0"/>
+          </a:p>
+        </p:txBody>
+      </p:sp>
+      <p:sp>
+        <p:nvSpPr>
+          <p:cNvPr id="3" name="文本框 2">
+            <a:extLst>
+              <a:ext uri="{FF2B5EF4-FFF2-40B4-BE49-F238E27FC236}">
+                <a16:creationId xmlns:a16="http://schemas.microsoft.com/office/drawing/2014/main" id="{5ED04C1B-5FE0-CB0F-7808-06BD95FC5ED1}"/>
+              </a:ext>
+            </a:extLst>
+          </p:cNvPr>
+          <p:cNvSpPr txBox="1"/>
+          <p:nvPr/>
+        </p:nvSpPr>
+        <p:spPr>
+          <a:xfrm>
+            <a:off x="511277" y="1789471"/>
+            <a:ext cx="10500852" cy="1754326"/>
+          </a:xfrm>
+          <a:prstGeom prst="rect">
+            <a:avLst/>
+          </a:prstGeom>
+          <a:noFill/>
+        </p:spPr>
+        <p:txBody>
+          <a:bodyPr wrap="square" rtlCol="0">
+            <a:spAutoFit/>
+          </a:bodyPr>
+          <a:lstStyle/>
+          <a:p>
+            <a:pPr marL="285750" indent="-285750">
+              <a:buFont typeface="Wingdings" panose="05000000000000000000" pitchFamily="2" charset="2"/>
+              <a:buChar char="Ø"/>
+            </a:pPr>
+            <a:r>
+              <a:rPr lang="en-US" altLang="zh-CN" sz="1800" b="0" i="0" dirty="0">
+                <a:solidFill>
+                  <a:srgbClr val="000000"/>
+                </a:solidFill>
+                <a:effectLst/>
+                <a:latin typeface="ComicSansMS"/>
+              </a:rPr>
+              <a:t>Small talk is a casual form of conversation that </a:t>
+            </a:r>
+            <a:r>
+              <a:rPr lang="en-US" altLang="zh-CN" sz="1800" b="1" i="0" dirty="0">
+                <a:solidFill>
+                  <a:srgbClr val="000000"/>
+                </a:solidFill>
+                <a:effectLst/>
+                <a:latin typeface="ComicSansMS-Bold"/>
+              </a:rPr>
+              <a:t>"breaks the ice" </a:t>
+            </a:r>
+            <a:r>
+              <a:rPr lang="en-US" altLang="zh-CN" sz="1800" b="0" i="0" dirty="0">
+                <a:solidFill>
+                  <a:srgbClr val="000000"/>
+                </a:solidFill>
+                <a:effectLst/>
+                <a:latin typeface="ComicSansMS"/>
+              </a:rPr>
+              <a:t>or </a:t>
+            </a:r>
+            <a:r>
+              <a:rPr lang="en-US" altLang="zh-CN" sz="1800" b="1" i="0" dirty="0">
+                <a:solidFill>
+                  <a:srgbClr val="000000"/>
+                </a:solidFill>
+                <a:effectLst/>
+                <a:latin typeface="ComicSansMS-Bold"/>
+              </a:rPr>
+              <a:t>fills an awkward silence </a:t>
+            </a:r>
+            <a:r>
+              <a:rPr lang="en-US" altLang="zh-CN" sz="1800" b="0" i="0" dirty="0">
+                <a:solidFill>
+                  <a:srgbClr val="000000"/>
+                </a:solidFill>
+                <a:effectLst/>
+                <a:latin typeface="ComicSansMS"/>
+              </a:rPr>
+              <a:t>between people.</a:t>
+            </a:r>
+          </a:p>
+          <a:p>
+            <a:pPr marL="285750" indent="-285750">
+              <a:buFont typeface="Wingdings" panose="05000000000000000000" pitchFamily="2" charset="2"/>
+              <a:buChar char="Ø"/>
+            </a:pPr>
+            <a:r>
+              <a:rPr lang="en-US" altLang="zh-CN" dirty="0">
+                <a:solidFill>
+                  <a:srgbClr val="000000"/>
+                </a:solidFill>
+                <a:latin typeface="ComicSansMS"/>
+              </a:rPr>
+              <a:t>T</a:t>
+            </a:r>
+            <a:r>
+              <a:rPr lang="en-US" altLang="zh-CN" sz="1800" b="0" i="0" dirty="0">
+                <a:solidFill>
+                  <a:srgbClr val="000000"/>
+                </a:solidFill>
+                <a:effectLst/>
+                <a:latin typeface="ComicSansMS"/>
+              </a:rPr>
+              <a:t>here are also certain topics that people often discuss during these moments</a:t>
+            </a:r>
+            <a:r>
+              <a:rPr lang="en-US" altLang="zh-CN" dirty="0"/>
+              <a:t> .</a:t>
+            </a:r>
+          </a:p>
+          <a:p>
+            <a:pPr marL="285750" indent="-285750">
+              <a:buFont typeface="Wingdings" panose="05000000000000000000" pitchFamily="2" charset="2"/>
+              <a:buChar char="Ø"/>
+            </a:pPr>
+            <a:r>
+              <a:rPr lang="en-US" altLang="zh-CN" dirty="0">
+                <a:solidFill>
+                  <a:srgbClr val="000000"/>
+                </a:solidFill>
+                <a:latin typeface="ComicSansMS"/>
+              </a:rPr>
+              <a:t>I</a:t>
+            </a:r>
+            <a:r>
+              <a:rPr lang="en-US" altLang="zh-CN" sz="1800" b="0" i="0" dirty="0">
+                <a:solidFill>
+                  <a:srgbClr val="000000"/>
+                </a:solidFill>
+                <a:effectLst/>
+                <a:latin typeface="ComicSansMS"/>
+              </a:rPr>
+              <a:t>n an English-speaking environment it is often better to make a few mistakes than to say nothing at all</a:t>
+            </a:r>
+            <a:r>
+              <a:rPr lang="en-US" altLang="zh-CN" dirty="0"/>
+              <a:t> </a:t>
+            </a:r>
+            <a:br>
+              <a:rPr lang="en-US" altLang="zh-CN" dirty="0"/>
+            </a:br>
+            <a:br>
+              <a:rPr lang="en-US" altLang="zh-CN" dirty="0"/>
+            </a:br>
+            <a:r>
+              <a:rPr lang="en-US" altLang="zh-CN" dirty="0"/>
+              <a:t> </a:t>
+            </a:r>
             <a:br>
               <a:rPr lang="en-US" altLang="zh-CN" dirty="0"/>
             </a:br>
@@ -3522,6 +3597,1006 @@
     <p:extLst>
       <p:ext uri="{BB962C8B-B14F-4D97-AF65-F5344CB8AC3E}">
         <p14:creationId xmlns:p14="http://schemas.microsoft.com/office/powerpoint/2010/main" val="2004117241"/>
+      </p:ext>
+    </p:extLst>
+  </p:cSld>
+  <p:clrMapOvr>
+    <a:masterClrMapping/>
+  </p:clrMapOvr>
+</p:sld>
+</file>
+
+<file path=ppt/slides/slide2.xml><?xml version="1.0" encoding="utf-8"?>
+<p:sld xmlns:a="http://schemas.openxmlformats.org/drawingml/2006/main" xmlns:r="http://schemas.openxmlformats.org/officeDocument/2006/relationships" xmlns:p="http://schemas.openxmlformats.org/presentationml/2006/main">
+  <p:cSld>
+    <p:spTree>
+      <p:nvGrpSpPr>
+        <p:cNvPr id="1" name=""/>
+        <p:cNvGrpSpPr/>
+        <p:nvPr/>
+      </p:nvGrpSpPr>
+      <p:grpSpPr>
+        <a:xfrm>
+          <a:off x="0" y="0"/>
+          <a:ext cx="0" cy="0"/>
+          <a:chOff x="0" y="0"/>
+          <a:chExt cx="0" cy="0"/>
+        </a:xfrm>
+      </p:grpSpPr>
+      <p:sp>
+        <p:nvSpPr>
+          <p:cNvPr id="2" name="标题 1">
+            <a:extLst>
+              <a:ext uri="{FF2B5EF4-FFF2-40B4-BE49-F238E27FC236}">
+                <a16:creationId xmlns:a16="http://schemas.microsoft.com/office/drawing/2014/main" id="{F71C9235-EC57-9FE0-10BA-08D7C57DD071}"/>
+              </a:ext>
+            </a:extLst>
+          </p:cNvPr>
+          <p:cNvSpPr>
+            <a:spLocks noGrp="1"/>
+          </p:cNvSpPr>
+          <p:nvPr>
+            <p:ph type="ctrTitle"/>
+          </p:nvPr>
+        </p:nvSpPr>
+        <p:spPr>
+          <a:xfrm>
+            <a:off x="648929" y="1596104"/>
+            <a:ext cx="9144000" cy="2387600"/>
+          </a:xfrm>
+        </p:spPr>
+        <p:txBody>
+          <a:bodyPr>
+            <a:noAutofit/>
+          </a:bodyPr>
+          <a:lstStyle/>
+          <a:p>
+            <a:pPr algn="l"/>
+            <a:br>
+              <a:rPr lang="en-US" altLang="zh-CN" sz="3100" b="1" dirty="0">
+                <a:solidFill>
+                  <a:srgbClr val="000000"/>
+                </a:solidFill>
+                <a:latin typeface="ComicSansMS-Bold"/>
+              </a:rPr>
+            </a:br>
+            <a:br>
+              <a:rPr lang="en-US" altLang="zh-CN" sz="3100" b="1" dirty="0">
+                <a:solidFill>
+                  <a:srgbClr val="000000"/>
+                </a:solidFill>
+                <a:latin typeface="ComicSansMS-Bold"/>
+              </a:rPr>
+            </a:br>
+            <a:br>
+              <a:rPr lang="en-US" altLang="zh-CN" sz="3100" b="1" dirty="0">
+                <a:solidFill>
+                  <a:srgbClr val="000000"/>
+                </a:solidFill>
+                <a:latin typeface="ComicSansMS-Bold"/>
+              </a:rPr>
+            </a:br>
+            <a:r>
+              <a:rPr lang="en-US" altLang="zh-CN" sz="3100" b="1" dirty="0">
+                <a:solidFill>
+                  <a:srgbClr val="000000"/>
+                </a:solidFill>
+                <a:latin typeface="ComicSansMS-Bold"/>
+              </a:rPr>
+              <a:t>Who makes small talk ? </a:t>
+            </a:r>
+            <a:br>
+              <a:rPr lang="en-US" altLang="zh-CN" sz="3100" b="1" dirty="0">
+                <a:solidFill>
+                  <a:srgbClr val="000000"/>
+                </a:solidFill>
+                <a:latin typeface="ComicSansMS-Bold"/>
+              </a:rPr>
+            </a:br>
+            <a:br>
+              <a:rPr lang="en-US" altLang="zh-CN" sz="3100" b="1" dirty="0">
+                <a:solidFill>
+                  <a:srgbClr val="000000"/>
+                </a:solidFill>
+                <a:latin typeface="ComicSansMS-Bold"/>
+              </a:rPr>
+            </a:br>
+            <a:br>
+              <a:rPr lang="en-US" altLang="zh-CN" sz="1800" b="0" i="0" dirty="0">
+                <a:solidFill>
+                  <a:srgbClr val="000000"/>
+                </a:solidFill>
+                <a:effectLst/>
+                <a:latin typeface=".HelveticaNeueDeskInterface-Regular"/>
+              </a:rPr>
+            </a:br>
+            <a:br>
+              <a:rPr lang="en-US" altLang="zh-CN" sz="800" dirty="0"/>
+            </a:br>
+            <a:br>
+              <a:rPr lang="en-US" altLang="zh-CN" sz="1800" b="1" i="0" dirty="0">
+                <a:solidFill>
+                  <a:srgbClr val="000000"/>
+                </a:solidFill>
+                <a:effectLst/>
+                <a:latin typeface="ComicSansMS-Bold"/>
+              </a:rPr>
+            </a:br>
+            <a:br>
+              <a:rPr lang="en-US" altLang="zh-CN" dirty="0"/>
+            </a:br>
+            <a:endParaRPr lang="zh-CN" altLang="en-US" dirty="0"/>
+          </a:p>
+        </p:txBody>
+      </p:sp>
+      <p:sp>
+        <p:nvSpPr>
+          <p:cNvPr id="3" name="文本框 2">
+            <a:extLst>
+              <a:ext uri="{FF2B5EF4-FFF2-40B4-BE49-F238E27FC236}">
+                <a16:creationId xmlns:a16="http://schemas.microsoft.com/office/drawing/2014/main" id="{5ED04C1B-5FE0-CB0F-7808-06BD95FC5ED1}"/>
+              </a:ext>
+            </a:extLst>
+          </p:cNvPr>
+          <p:cNvSpPr txBox="1"/>
+          <p:nvPr/>
+        </p:nvSpPr>
+        <p:spPr>
+          <a:xfrm>
+            <a:off x="511277" y="1789471"/>
+            <a:ext cx="10500852" cy="2862322"/>
+          </a:xfrm>
+          <a:prstGeom prst="rect">
+            <a:avLst/>
+          </a:prstGeom>
+          <a:noFill/>
+        </p:spPr>
+        <p:txBody>
+          <a:bodyPr wrap="square" rtlCol="0">
+            <a:spAutoFit/>
+          </a:bodyPr>
+          <a:lstStyle/>
+          <a:p>
+            <a:pPr marL="285750" indent="-285750">
+              <a:buFont typeface="Wingdings" panose="05000000000000000000" pitchFamily="2" charset="2"/>
+              <a:buChar char="Ø"/>
+            </a:pPr>
+            <a:r>
+              <a:rPr lang="en-US" altLang="zh-CN" sz="1800" b="0" i="0" dirty="0">
+                <a:solidFill>
+                  <a:srgbClr val="000000"/>
+                </a:solidFill>
+                <a:effectLst/>
+                <a:latin typeface="ComicSansMS"/>
+              </a:rPr>
+              <a:t>People with many different relationships use small talk. </a:t>
+            </a:r>
+          </a:p>
+          <a:p>
+            <a:pPr marL="285750" indent="-285750">
+              <a:buFont typeface="Wingdings" panose="05000000000000000000" pitchFamily="2" charset="2"/>
+              <a:buChar char="Ø"/>
+            </a:pPr>
+            <a:r>
+              <a:rPr lang="en-US" altLang="zh-CN" sz="1800" b="0" i="0" dirty="0">
+                <a:solidFill>
+                  <a:srgbClr val="000000"/>
+                </a:solidFill>
+                <a:effectLst/>
+                <a:latin typeface="ComicSansMS"/>
+              </a:rPr>
+              <a:t>Other people who have short casual conversations are office employees who may not be good friends but work in the same department. </a:t>
+            </a:r>
+          </a:p>
+          <a:p>
+            <a:pPr marL="285750" indent="-285750">
+              <a:buFont typeface="Wingdings" panose="05000000000000000000" pitchFamily="2" charset="2"/>
+              <a:buChar char="Ø"/>
+            </a:pPr>
+            <a:r>
+              <a:rPr lang="en-US" altLang="zh-CN" sz="1800" b="0" i="0" dirty="0">
+                <a:solidFill>
+                  <a:srgbClr val="000000"/>
+                </a:solidFill>
+                <a:effectLst/>
+                <a:latin typeface="ComicSansMS"/>
+              </a:rPr>
+              <a:t>It is also common for people who are only </a:t>
+            </a:r>
+            <a:r>
+              <a:rPr lang="en-US" altLang="zh-CN" sz="1800" b="1" i="0" dirty="0">
+                <a:solidFill>
+                  <a:srgbClr val="000000"/>
+                </a:solidFill>
+                <a:effectLst/>
+                <a:latin typeface="ComicSansMS-Bold"/>
+              </a:rPr>
+              <a:t>acquaintances</a:t>
+            </a:r>
+            <a:r>
+              <a:rPr lang="en-US" altLang="zh-CN" sz="1800" b="0" i="0" dirty="0">
+                <a:solidFill>
+                  <a:srgbClr val="000000"/>
+                </a:solidFill>
+                <a:effectLst/>
+                <a:latin typeface="ComicSansMS"/>
+              </a:rPr>
+              <a:t>, often called a </a:t>
+            </a:r>
+            <a:r>
+              <a:rPr lang="en-US" altLang="zh-CN" sz="1800" b="1" i="0" dirty="0">
+                <a:solidFill>
+                  <a:srgbClr val="000000"/>
+                </a:solidFill>
+                <a:effectLst/>
+                <a:latin typeface="ComicSansMS-Bold"/>
+              </a:rPr>
+              <a:t>"friend of a friend"</a:t>
+            </a:r>
+            <a:r>
+              <a:rPr lang="en-US" altLang="zh-CN" dirty="0"/>
+              <a:t> </a:t>
+            </a:r>
+            <a:br>
+              <a:rPr lang="en-US" altLang="zh-CN" dirty="0"/>
+            </a:br>
+            <a:br>
+              <a:rPr lang="en-US" altLang="zh-CN" dirty="0"/>
+            </a:br>
+            <a:br>
+              <a:rPr lang="en-US" altLang="zh-CN" dirty="0"/>
+            </a:br>
+            <a:r>
+              <a:rPr lang="en-US" altLang="zh-CN" dirty="0"/>
+              <a:t> </a:t>
+            </a:r>
+            <a:br>
+              <a:rPr lang="en-US" altLang="zh-CN" dirty="0"/>
+            </a:br>
+            <a:br>
+              <a:rPr lang="en-US" altLang="zh-CN" dirty="0"/>
+            </a:br>
+            <a:r>
+              <a:rPr lang="en-US" altLang="zh-CN" dirty="0"/>
+              <a:t> </a:t>
+            </a:r>
+            <a:br>
+              <a:rPr lang="en-US" altLang="zh-CN" dirty="0"/>
+            </a:br>
+            <a:endParaRPr lang="zh-CN" altLang="en-US" dirty="0"/>
+          </a:p>
+        </p:txBody>
+      </p:sp>
+    </p:spTree>
+    <p:extLst>
+      <p:ext uri="{BB962C8B-B14F-4D97-AF65-F5344CB8AC3E}">
+        <p14:creationId xmlns:p14="http://schemas.microsoft.com/office/powerpoint/2010/main" val="3769591969"/>
+      </p:ext>
+    </p:extLst>
+  </p:cSld>
+  <p:clrMapOvr>
+    <a:masterClrMapping/>
+  </p:clrMapOvr>
+</p:sld>
+</file>
+
+<file path=ppt/slides/slide3.xml><?xml version="1.0" encoding="utf-8"?>
+<p:sld xmlns:a="http://schemas.openxmlformats.org/drawingml/2006/main" xmlns:r="http://schemas.openxmlformats.org/officeDocument/2006/relationships" xmlns:p="http://schemas.openxmlformats.org/presentationml/2006/main">
+  <p:cSld>
+    <p:spTree>
+      <p:nvGrpSpPr>
+        <p:cNvPr id="1" name=""/>
+        <p:cNvGrpSpPr/>
+        <p:nvPr/>
+      </p:nvGrpSpPr>
+      <p:grpSpPr>
+        <a:xfrm>
+          <a:off x="0" y="0"/>
+          <a:ext cx="0" cy="0"/>
+          <a:chOff x="0" y="0"/>
+          <a:chExt cx="0" cy="0"/>
+        </a:xfrm>
+      </p:grpSpPr>
+      <p:sp>
+        <p:nvSpPr>
+          <p:cNvPr id="2" name="标题 1">
+            <a:extLst>
+              <a:ext uri="{FF2B5EF4-FFF2-40B4-BE49-F238E27FC236}">
+                <a16:creationId xmlns:a16="http://schemas.microsoft.com/office/drawing/2014/main" id="{F71C9235-EC57-9FE0-10BA-08D7C57DD071}"/>
+              </a:ext>
+            </a:extLst>
+          </p:cNvPr>
+          <p:cNvSpPr>
+            <a:spLocks noGrp="1"/>
+          </p:cNvSpPr>
+          <p:nvPr>
+            <p:ph type="ctrTitle"/>
+          </p:nvPr>
+        </p:nvSpPr>
+        <p:spPr>
+          <a:xfrm>
+            <a:off x="648929" y="1596104"/>
+            <a:ext cx="9144000" cy="2387600"/>
+          </a:xfrm>
+        </p:spPr>
+        <p:txBody>
+          <a:bodyPr>
+            <a:noAutofit/>
+          </a:bodyPr>
+          <a:lstStyle/>
+          <a:p>
+            <a:pPr algn="l"/>
+            <a:br>
+              <a:rPr lang="en-US" altLang="zh-CN" sz="3100" b="1" dirty="0">
+                <a:solidFill>
+                  <a:srgbClr val="000000"/>
+                </a:solidFill>
+                <a:latin typeface="ComicSansMS-Bold"/>
+              </a:rPr>
+            </a:br>
+            <a:br>
+              <a:rPr lang="en-US" altLang="zh-CN" sz="3100" b="1" dirty="0">
+                <a:solidFill>
+                  <a:srgbClr val="000000"/>
+                </a:solidFill>
+                <a:latin typeface="ComicSansMS-Bold"/>
+              </a:rPr>
+            </a:br>
+            <a:br>
+              <a:rPr lang="en-US" altLang="zh-CN" sz="3100" b="1" dirty="0">
+                <a:solidFill>
+                  <a:srgbClr val="000000"/>
+                </a:solidFill>
+                <a:latin typeface="ComicSansMS-Bold"/>
+              </a:rPr>
+            </a:br>
+            <a:r>
+              <a:rPr lang="en-US" altLang="zh-CN" sz="3100" b="1" dirty="0">
+                <a:solidFill>
+                  <a:srgbClr val="000000"/>
+                </a:solidFill>
+                <a:latin typeface="ComicSansMS-Bold"/>
+              </a:rPr>
+              <a:t>WHAT do people make small talk about ? </a:t>
+            </a:r>
+            <a:br>
+              <a:rPr lang="en-US" altLang="zh-CN" sz="3100" b="1" dirty="0">
+                <a:solidFill>
+                  <a:srgbClr val="000000"/>
+                </a:solidFill>
+                <a:latin typeface="ComicSansMS-Bold"/>
+              </a:rPr>
+            </a:br>
+            <a:br>
+              <a:rPr lang="en-US" altLang="zh-CN" sz="3100" b="1" dirty="0">
+                <a:solidFill>
+                  <a:srgbClr val="000000"/>
+                </a:solidFill>
+                <a:latin typeface="ComicSansMS-Bold"/>
+              </a:rPr>
+            </a:br>
+            <a:br>
+              <a:rPr lang="en-US" altLang="zh-CN" sz="1800" b="0" i="0" dirty="0">
+                <a:solidFill>
+                  <a:srgbClr val="000000"/>
+                </a:solidFill>
+                <a:effectLst/>
+                <a:latin typeface=".HelveticaNeueDeskInterface-Regular"/>
+              </a:rPr>
+            </a:br>
+            <a:br>
+              <a:rPr lang="en-US" altLang="zh-CN" sz="800" dirty="0"/>
+            </a:br>
+            <a:br>
+              <a:rPr lang="en-US" altLang="zh-CN" sz="1800" b="1" i="0" dirty="0">
+                <a:solidFill>
+                  <a:srgbClr val="000000"/>
+                </a:solidFill>
+                <a:effectLst/>
+                <a:latin typeface="ComicSansMS-Bold"/>
+              </a:rPr>
+            </a:br>
+            <a:br>
+              <a:rPr lang="en-US" altLang="zh-CN" dirty="0"/>
+            </a:br>
+            <a:endParaRPr lang="zh-CN" altLang="en-US" dirty="0"/>
+          </a:p>
+        </p:txBody>
+      </p:sp>
+      <p:sp>
+        <p:nvSpPr>
+          <p:cNvPr id="3" name="文本框 2">
+            <a:extLst>
+              <a:ext uri="{FF2B5EF4-FFF2-40B4-BE49-F238E27FC236}">
+                <a16:creationId xmlns:a16="http://schemas.microsoft.com/office/drawing/2014/main" id="{5ED04C1B-5FE0-CB0F-7808-06BD95FC5ED1}"/>
+              </a:ext>
+            </a:extLst>
+          </p:cNvPr>
+          <p:cNvSpPr txBox="1"/>
+          <p:nvPr/>
+        </p:nvSpPr>
+        <p:spPr>
+          <a:xfrm>
+            <a:off x="511277" y="1789471"/>
+            <a:ext cx="10500852" cy="2862322"/>
+          </a:xfrm>
+          <a:prstGeom prst="rect">
+            <a:avLst/>
+          </a:prstGeom>
+          <a:noFill/>
+        </p:spPr>
+        <p:txBody>
+          <a:bodyPr wrap="square" rtlCol="0">
+            <a:spAutoFit/>
+          </a:bodyPr>
+          <a:lstStyle/>
+          <a:p>
+            <a:pPr marL="285750" indent="-285750">
+              <a:buFont typeface="Wingdings" panose="05000000000000000000" pitchFamily="2" charset="2"/>
+              <a:buChar char="Ø"/>
+            </a:pPr>
+            <a:r>
+              <a:rPr lang="en-US" altLang="zh-CN" sz="1800" b="0" i="0" dirty="0">
+                <a:solidFill>
+                  <a:srgbClr val="000000"/>
+                </a:solidFill>
+                <a:effectLst/>
+                <a:latin typeface="ComicSansMS"/>
+              </a:rPr>
+              <a:t>here are certain "safe" topics that people usually make small talk about. </a:t>
+            </a:r>
+          </a:p>
+          <a:p>
+            <a:pPr marL="285750" indent="-285750">
+              <a:buFont typeface="Wingdings" panose="05000000000000000000" pitchFamily="2" charset="2"/>
+              <a:buChar char="Ø"/>
+            </a:pPr>
+            <a:r>
+              <a:rPr lang="en-US" altLang="zh-CN" sz="1800" b="0" i="0" dirty="0">
+                <a:solidFill>
+                  <a:srgbClr val="000000"/>
+                </a:solidFill>
+                <a:effectLst/>
+                <a:latin typeface="ComicSansMS"/>
+              </a:rPr>
+              <a:t>The </a:t>
+            </a:r>
+            <a:r>
+              <a:rPr lang="en-US" altLang="zh-CN" sz="1800" b="1" i="0" dirty="0">
+                <a:solidFill>
+                  <a:srgbClr val="000000"/>
+                </a:solidFill>
+                <a:effectLst/>
+                <a:latin typeface="ComicSansMS-Bold"/>
+              </a:rPr>
+              <a:t>weather </a:t>
+            </a:r>
+            <a:r>
+              <a:rPr lang="en-US" altLang="zh-CN" sz="1800" b="0" i="0" dirty="0">
+                <a:solidFill>
+                  <a:srgbClr val="000000"/>
+                </a:solidFill>
+                <a:effectLst/>
+                <a:latin typeface="ComicSansMS"/>
+              </a:rPr>
+              <a:t>is probably the number one.</a:t>
+            </a:r>
+          </a:p>
+          <a:p>
+            <a:pPr marL="285750" indent="-285750">
+              <a:buFont typeface="Wingdings" panose="05000000000000000000" pitchFamily="2" charset="2"/>
+              <a:buChar char="Ø"/>
+            </a:pPr>
+            <a:r>
+              <a:rPr lang="en-US" altLang="zh-CN" sz="1800" b="0" i="0" dirty="0">
+                <a:solidFill>
+                  <a:srgbClr val="000000"/>
+                </a:solidFill>
+                <a:effectLst/>
+                <a:latin typeface="ComicSansMS"/>
+              </a:rPr>
+              <a:t>Another topic that is generally safe is </a:t>
+            </a:r>
+            <a:r>
+              <a:rPr lang="en-US" altLang="zh-CN" sz="1800" b="1" i="0" dirty="0">
+                <a:solidFill>
+                  <a:srgbClr val="000000"/>
+                </a:solidFill>
+                <a:effectLst/>
+                <a:latin typeface="ComicSansMS-Bold"/>
+              </a:rPr>
+              <a:t>current events</a:t>
+            </a:r>
+            <a:r>
+              <a:rPr lang="en-US" altLang="zh-CN" dirty="0"/>
+              <a:t> .</a:t>
+            </a:r>
+          </a:p>
+          <a:p>
+            <a:pPr marL="285750" indent="-285750">
+              <a:buFont typeface="Wingdings" panose="05000000000000000000" pitchFamily="2" charset="2"/>
+              <a:buChar char="Ø"/>
+            </a:pPr>
+            <a:r>
+              <a:rPr lang="en-US" altLang="zh-CN" sz="1800" b="0" i="0" dirty="0">
+                <a:solidFill>
+                  <a:srgbClr val="000000"/>
+                </a:solidFill>
+                <a:effectLst/>
+                <a:latin typeface="ComicSansMS"/>
+              </a:rPr>
+              <a:t>If there is something that you and the other speaker has in common, that may also be </a:t>
+            </a:r>
+            <a:r>
+              <a:rPr lang="en-US" altLang="zh-CN" sz="1800" b="1" i="0" dirty="0">
+                <a:solidFill>
+                  <a:srgbClr val="000000"/>
+                </a:solidFill>
+                <a:effectLst/>
+                <a:latin typeface="ComicSansMS-Bold"/>
+              </a:rPr>
+              <a:t>acceptable </a:t>
+            </a:r>
+            <a:r>
+              <a:rPr lang="en-US" altLang="zh-CN" sz="1800" b="0" i="0" dirty="0">
+                <a:solidFill>
+                  <a:srgbClr val="000000"/>
+                </a:solidFill>
+                <a:effectLst/>
+                <a:latin typeface="ComicSansMS"/>
+              </a:rPr>
+              <a:t>to talk about</a:t>
+            </a:r>
+            <a:r>
+              <a:rPr lang="en-US" altLang="zh-CN" dirty="0"/>
+              <a:t> .</a:t>
+            </a:r>
+            <a:br>
+              <a:rPr lang="en-US" altLang="zh-CN" dirty="0"/>
+            </a:br>
+            <a:br>
+              <a:rPr lang="en-US" altLang="zh-CN" dirty="0"/>
+            </a:br>
+            <a:r>
+              <a:rPr lang="en-US" altLang="zh-CN" dirty="0"/>
+              <a:t> </a:t>
+            </a:r>
+            <a:br>
+              <a:rPr lang="en-US" altLang="zh-CN" dirty="0"/>
+            </a:br>
+            <a:br>
+              <a:rPr lang="en-US" altLang="zh-CN" dirty="0"/>
+            </a:br>
+            <a:r>
+              <a:rPr lang="en-US" altLang="zh-CN" dirty="0"/>
+              <a:t> </a:t>
+            </a:r>
+            <a:br>
+              <a:rPr lang="en-US" altLang="zh-CN" dirty="0"/>
+            </a:br>
+            <a:endParaRPr lang="zh-CN" altLang="en-US" dirty="0"/>
+          </a:p>
+        </p:txBody>
+      </p:sp>
+    </p:spTree>
+    <p:extLst>
+      <p:ext uri="{BB962C8B-B14F-4D97-AF65-F5344CB8AC3E}">
+        <p14:creationId xmlns:p14="http://schemas.microsoft.com/office/powerpoint/2010/main" val="3861972094"/>
+      </p:ext>
+    </p:extLst>
+  </p:cSld>
+  <p:clrMapOvr>
+    <a:masterClrMapping/>
+  </p:clrMapOvr>
+</p:sld>
+</file>
+
+<file path=ppt/slides/slide4.xml><?xml version="1.0" encoding="utf-8"?>
+<p:sld xmlns:a="http://schemas.openxmlformats.org/drawingml/2006/main" xmlns:r="http://schemas.openxmlformats.org/officeDocument/2006/relationships" xmlns:p="http://schemas.openxmlformats.org/presentationml/2006/main">
+  <p:cSld>
+    <p:spTree>
+      <p:nvGrpSpPr>
+        <p:cNvPr id="1" name=""/>
+        <p:cNvGrpSpPr/>
+        <p:nvPr/>
+      </p:nvGrpSpPr>
+      <p:grpSpPr>
+        <a:xfrm>
+          <a:off x="0" y="0"/>
+          <a:ext cx="0" cy="0"/>
+          <a:chOff x="0" y="0"/>
+          <a:chExt cx="0" cy="0"/>
+        </a:xfrm>
+      </p:grpSpPr>
+      <p:sp>
+        <p:nvSpPr>
+          <p:cNvPr id="2" name="标题 1">
+            <a:extLst>
+              <a:ext uri="{FF2B5EF4-FFF2-40B4-BE49-F238E27FC236}">
+                <a16:creationId xmlns:a16="http://schemas.microsoft.com/office/drawing/2014/main" id="{F71C9235-EC57-9FE0-10BA-08D7C57DD071}"/>
+              </a:ext>
+            </a:extLst>
+          </p:cNvPr>
+          <p:cNvSpPr>
+            <a:spLocks noGrp="1"/>
+          </p:cNvSpPr>
+          <p:nvPr>
+            <p:ph type="ctrTitle"/>
+          </p:nvPr>
+        </p:nvSpPr>
+        <p:spPr>
+          <a:xfrm>
+            <a:off x="648929" y="1596104"/>
+            <a:ext cx="9144000" cy="2387600"/>
+          </a:xfrm>
+        </p:spPr>
+        <p:txBody>
+          <a:bodyPr>
+            <a:noAutofit/>
+          </a:bodyPr>
+          <a:lstStyle/>
+          <a:p>
+            <a:pPr algn="l"/>
+            <a:br>
+              <a:rPr lang="en-US" altLang="zh-CN" sz="3100" b="1" dirty="0">
+                <a:solidFill>
+                  <a:srgbClr val="000000"/>
+                </a:solidFill>
+                <a:latin typeface="ComicSansMS-Bold"/>
+              </a:rPr>
+            </a:br>
+            <a:br>
+              <a:rPr lang="en-US" altLang="zh-CN" sz="3100" b="1" dirty="0">
+                <a:solidFill>
+                  <a:srgbClr val="000000"/>
+                </a:solidFill>
+                <a:latin typeface="ComicSansMS-Bold"/>
+              </a:rPr>
+            </a:br>
+            <a:br>
+              <a:rPr lang="en-US" altLang="zh-CN" sz="3100" b="1" dirty="0">
+                <a:solidFill>
+                  <a:srgbClr val="000000"/>
+                </a:solidFill>
+                <a:latin typeface="ComicSansMS-Bold"/>
+              </a:rPr>
+            </a:br>
+            <a:r>
+              <a:rPr lang="en-US" altLang="zh-CN" sz="3100" b="1" dirty="0">
+                <a:solidFill>
+                  <a:srgbClr val="000000"/>
+                </a:solidFill>
+                <a:latin typeface="ComicSansMS-Bold"/>
+              </a:rPr>
+              <a:t>Where do people make small talk about? </a:t>
+            </a:r>
+            <a:br>
+              <a:rPr lang="en-US" altLang="zh-CN" sz="3100" b="1" dirty="0">
+                <a:solidFill>
+                  <a:srgbClr val="000000"/>
+                </a:solidFill>
+                <a:latin typeface="ComicSansMS-Bold"/>
+              </a:rPr>
+            </a:br>
+            <a:br>
+              <a:rPr lang="en-US" altLang="zh-CN" sz="3100" b="1" dirty="0">
+                <a:solidFill>
+                  <a:srgbClr val="000000"/>
+                </a:solidFill>
+                <a:latin typeface="ComicSansMS-Bold"/>
+              </a:rPr>
+            </a:br>
+            <a:br>
+              <a:rPr lang="en-US" altLang="zh-CN" sz="1800" b="0" i="0" dirty="0">
+                <a:solidFill>
+                  <a:srgbClr val="000000"/>
+                </a:solidFill>
+                <a:effectLst/>
+                <a:latin typeface=".HelveticaNeueDeskInterface-Regular"/>
+              </a:rPr>
+            </a:br>
+            <a:br>
+              <a:rPr lang="en-US" altLang="zh-CN" sz="800" dirty="0"/>
+            </a:br>
+            <a:br>
+              <a:rPr lang="en-US" altLang="zh-CN" sz="1800" b="1" i="0" dirty="0">
+                <a:solidFill>
+                  <a:srgbClr val="000000"/>
+                </a:solidFill>
+                <a:effectLst/>
+                <a:latin typeface="ComicSansMS-Bold"/>
+              </a:rPr>
+            </a:br>
+            <a:br>
+              <a:rPr lang="en-US" altLang="zh-CN" dirty="0"/>
+            </a:br>
+            <a:endParaRPr lang="zh-CN" altLang="en-US" dirty="0"/>
+          </a:p>
+        </p:txBody>
+      </p:sp>
+      <p:sp>
+        <p:nvSpPr>
+          <p:cNvPr id="3" name="文本框 2">
+            <a:extLst>
+              <a:ext uri="{FF2B5EF4-FFF2-40B4-BE49-F238E27FC236}">
+                <a16:creationId xmlns:a16="http://schemas.microsoft.com/office/drawing/2014/main" id="{5ED04C1B-5FE0-CB0F-7808-06BD95FC5ED1}"/>
+              </a:ext>
+            </a:extLst>
+          </p:cNvPr>
+          <p:cNvSpPr txBox="1"/>
+          <p:nvPr/>
+        </p:nvSpPr>
+        <p:spPr>
+          <a:xfrm>
+            <a:off x="511277" y="1789471"/>
+            <a:ext cx="10500852" cy="1200329"/>
+          </a:xfrm>
+          <a:prstGeom prst="rect">
+            <a:avLst/>
+          </a:prstGeom>
+          <a:noFill/>
+        </p:spPr>
+        <p:txBody>
+          <a:bodyPr wrap="square" rtlCol="0">
+            <a:spAutoFit/>
+          </a:bodyPr>
+          <a:lstStyle/>
+          <a:p>
+            <a:pPr marL="285750" indent="-285750">
+              <a:buFont typeface="Wingdings" panose="05000000000000000000" pitchFamily="2" charset="2"/>
+              <a:buChar char="Ø"/>
+            </a:pPr>
+            <a:r>
+              <a:rPr lang="en-US" altLang="zh-CN" sz="1800" b="0" i="0" dirty="0">
+                <a:solidFill>
+                  <a:srgbClr val="000000"/>
+                </a:solidFill>
+                <a:effectLst/>
+                <a:latin typeface="ComicSansMS"/>
+              </a:rPr>
+              <a:t>People make small talk just about anywhere</a:t>
+            </a:r>
+            <a:r>
+              <a:rPr lang="en-US" altLang="zh-CN" dirty="0"/>
+              <a:t> .</a:t>
+            </a:r>
+            <a:br>
+              <a:rPr lang="en-US" altLang="zh-CN" dirty="0"/>
+            </a:br>
+            <a:br>
+              <a:rPr lang="en-US" altLang="zh-CN" dirty="0"/>
+            </a:br>
+            <a:r>
+              <a:rPr lang="en-US" altLang="zh-CN" dirty="0"/>
+              <a:t> </a:t>
+            </a:r>
+            <a:br>
+              <a:rPr lang="en-US" altLang="zh-CN" dirty="0"/>
+            </a:br>
+            <a:endParaRPr lang="zh-CN" altLang="en-US" dirty="0"/>
+          </a:p>
+        </p:txBody>
+      </p:sp>
+    </p:spTree>
+    <p:extLst>
+      <p:ext uri="{BB962C8B-B14F-4D97-AF65-F5344CB8AC3E}">
+        <p14:creationId xmlns:p14="http://schemas.microsoft.com/office/powerpoint/2010/main" val="974074993"/>
+      </p:ext>
+    </p:extLst>
+  </p:cSld>
+  <p:clrMapOvr>
+    <a:masterClrMapping/>
+  </p:clrMapOvr>
+</p:sld>
+</file>
+
+<file path=ppt/slides/slide5.xml><?xml version="1.0" encoding="utf-8"?>
+<p:sld xmlns:a="http://schemas.openxmlformats.org/drawingml/2006/main" xmlns:r="http://schemas.openxmlformats.org/officeDocument/2006/relationships" xmlns:p="http://schemas.openxmlformats.org/presentationml/2006/main">
+  <p:cSld>
+    <p:spTree>
+      <p:nvGrpSpPr>
+        <p:cNvPr id="1" name=""/>
+        <p:cNvGrpSpPr/>
+        <p:nvPr/>
+      </p:nvGrpSpPr>
+      <p:grpSpPr>
+        <a:xfrm>
+          <a:off x="0" y="0"/>
+          <a:ext cx="0" cy="0"/>
+          <a:chOff x="0" y="0"/>
+          <a:chExt cx="0" cy="0"/>
+        </a:xfrm>
+      </p:grpSpPr>
+      <p:sp>
+        <p:nvSpPr>
+          <p:cNvPr id="2" name="标题 1">
+            <a:extLst>
+              <a:ext uri="{FF2B5EF4-FFF2-40B4-BE49-F238E27FC236}">
+                <a16:creationId xmlns:a16="http://schemas.microsoft.com/office/drawing/2014/main" id="{F71C9235-EC57-9FE0-10BA-08D7C57DD071}"/>
+              </a:ext>
+            </a:extLst>
+          </p:cNvPr>
+          <p:cNvSpPr>
+            <a:spLocks noGrp="1"/>
+          </p:cNvSpPr>
+          <p:nvPr>
+            <p:ph type="ctrTitle"/>
+          </p:nvPr>
+        </p:nvSpPr>
+        <p:spPr>
+          <a:xfrm>
+            <a:off x="648929" y="1596104"/>
+            <a:ext cx="9144000" cy="2387600"/>
+          </a:xfrm>
+        </p:spPr>
+        <p:txBody>
+          <a:bodyPr>
+            <a:noAutofit/>
+          </a:bodyPr>
+          <a:lstStyle/>
+          <a:p>
+            <a:pPr algn="l"/>
+            <a:br>
+              <a:rPr lang="en-US" altLang="zh-CN" sz="3100" b="1" dirty="0">
+                <a:solidFill>
+                  <a:srgbClr val="000000"/>
+                </a:solidFill>
+                <a:latin typeface="ComicSansMS-Bold"/>
+              </a:rPr>
+            </a:br>
+            <a:br>
+              <a:rPr lang="en-US" altLang="zh-CN" sz="3100" b="1" dirty="0">
+                <a:solidFill>
+                  <a:srgbClr val="000000"/>
+                </a:solidFill>
+                <a:latin typeface="ComicSansMS-Bold"/>
+              </a:rPr>
+            </a:br>
+            <a:br>
+              <a:rPr lang="en-US" altLang="zh-CN" sz="3100" b="1" dirty="0">
+                <a:solidFill>
+                  <a:srgbClr val="000000"/>
+                </a:solidFill>
+                <a:latin typeface="ComicSansMS-Bold"/>
+              </a:rPr>
+            </a:br>
+            <a:r>
+              <a:rPr lang="en-US" altLang="zh-CN" sz="3100" b="1" dirty="0">
+                <a:solidFill>
+                  <a:srgbClr val="000000"/>
+                </a:solidFill>
+                <a:latin typeface="ComicSansMS-Bold"/>
+              </a:rPr>
+              <a:t>WHY do people make small talk? </a:t>
+            </a:r>
+            <a:br>
+              <a:rPr lang="en-US" altLang="zh-CN" sz="3100" b="1" dirty="0">
+                <a:solidFill>
+                  <a:srgbClr val="000000"/>
+                </a:solidFill>
+                <a:latin typeface="ComicSansMS-Bold"/>
+              </a:rPr>
+            </a:br>
+            <a:br>
+              <a:rPr lang="en-US" altLang="zh-CN" sz="3100" b="1" dirty="0">
+                <a:solidFill>
+                  <a:srgbClr val="000000"/>
+                </a:solidFill>
+                <a:latin typeface="ComicSansMS-Bold"/>
+              </a:rPr>
+            </a:br>
+            <a:br>
+              <a:rPr lang="en-US" altLang="zh-CN" sz="1800" b="0" i="0" dirty="0">
+                <a:solidFill>
+                  <a:srgbClr val="000000"/>
+                </a:solidFill>
+                <a:effectLst/>
+                <a:latin typeface=".HelveticaNeueDeskInterface-Regular"/>
+              </a:rPr>
+            </a:br>
+            <a:br>
+              <a:rPr lang="en-US" altLang="zh-CN" sz="800" dirty="0"/>
+            </a:br>
+            <a:br>
+              <a:rPr lang="en-US" altLang="zh-CN" sz="1800" b="1" i="0" dirty="0">
+                <a:solidFill>
+                  <a:srgbClr val="000000"/>
+                </a:solidFill>
+                <a:effectLst/>
+                <a:latin typeface="ComicSansMS-Bold"/>
+              </a:rPr>
+            </a:br>
+            <a:br>
+              <a:rPr lang="en-US" altLang="zh-CN" dirty="0"/>
+            </a:br>
+            <a:endParaRPr lang="zh-CN" altLang="en-US" dirty="0"/>
+          </a:p>
+        </p:txBody>
+      </p:sp>
+      <p:sp>
+        <p:nvSpPr>
+          <p:cNvPr id="3" name="文本框 2">
+            <a:extLst>
+              <a:ext uri="{FF2B5EF4-FFF2-40B4-BE49-F238E27FC236}">
+                <a16:creationId xmlns:a16="http://schemas.microsoft.com/office/drawing/2014/main" id="{5ED04C1B-5FE0-CB0F-7808-06BD95FC5ED1}"/>
+              </a:ext>
+            </a:extLst>
+          </p:cNvPr>
+          <p:cNvSpPr txBox="1"/>
+          <p:nvPr/>
+        </p:nvSpPr>
+        <p:spPr>
+          <a:xfrm>
+            <a:off x="511277" y="1789471"/>
+            <a:ext cx="10500852" cy="1477328"/>
+          </a:xfrm>
+          <a:prstGeom prst="rect">
+            <a:avLst/>
+          </a:prstGeom>
+          <a:noFill/>
+        </p:spPr>
+        <p:txBody>
+          <a:bodyPr wrap="square" rtlCol="0">
+            <a:spAutoFit/>
+          </a:bodyPr>
+          <a:lstStyle/>
+          <a:p>
+            <a:pPr marL="285750" indent="-285750">
+              <a:buFont typeface="Wingdings" panose="05000000000000000000" pitchFamily="2" charset="2"/>
+              <a:buChar char="Ø"/>
+            </a:pPr>
+            <a:r>
+              <a:rPr lang="en-US" altLang="zh-CN" sz="1800" b="0" i="0" dirty="0">
+                <a:solidFill>
+                  <a:srgbClr val="000000"/>
+                </a:solidFill>
+                <a:effectLst/>
+                <a:latin typeface="ComicSansMS"/>
+              </a:rPr>
+              <a:t>to </a:t>
+            </a:r>
+            <a:r>
+              <a:rPr lang="en-US" altLang="zh-CN" sz="1800" b="1" i="0" dirty="0">
+                <a:solidFill>
+                  <a:srgbClr val="000000"/>
+                </a:solidFill>
+                <a:effectLst/>
+                <a:latin typeface="ComicSansMS-Bold"/>
+              </a:rPr>
+              <a:t>break an uncomfortable silence</a:t>
+            </a:r>
+            <a:r>
+              <a:rPr lang="en-US" altLang="zh-CN" dirty="0"/>
+              <a:t> </a:t>
+            </a:r>
+            <a:br>
+              <a:rPr lang="en-US" altLang="zh-CN" dirty="0"/>
+            </a:br>
+            <a:r>
+              <a:rPr lang="en-US" altLang="zh-CN" dirty="0"/>
+              <a:t>.</a:t>
+            </a:r>
+            <a:br>
+              <a:rPr lang="en-US" altLang="zh-CN" dirty="0"/>
+            </a:br>
+            <a:br>
+              <a:rPr lang="en-US" altLang="zh-CN" dirty="0"/>
+            </a:br>
+            <a:r>
+              <a:rPr lang="en-US" altLang="zh-CN" dirty="0"/>
+              <a:t> </a:t>
+            </a:r>
+            <a:br>
+              <a:rPr lang="en-US" altLang="zh-CN" dirty="0"/>
+            </a:br>
+            <a:endParaRPr lang="zh-CN" altLang="en-US" dirty="0"/>
+          </a:p>
+        </p:txBody>
+      </p:sp>
+    </p:spTree>
+    <p:extLst>
+      <p:ext uri="{BB962C8B-B14F-4D97-AF65-F5344CB8AC3E}">
+        <p14:creationId xmlns:p14="http://schemas.microsoft.com/office/powerpoint/2010/main" val="1764466790"/>
       </p:ext>
     </p:extLst>
   </p:cSld>
